--- a/Docs/최종발표1.pptx
+++ b/Docs/최종발표1.pptx
@@ -5,7 +5,7 @@
     <p:sldMasterId id="2147483648" r:id="rId1"/>
   </p:sldMasterIdLst>
   <p:notesMasterIdLst>
-    <p:notesMasterId r:id="rId15"/>
+    <p:notesMasterId r:id="rId18"/>
   </p:notesMasterIdLst>
   <p:sldIdLst>
     <p:sldId id="256" r:id="rId2"/>
@@ -18,9 +18,12 @@
     <p:sldId id="282" r:id="rId9"/>
     <p:sldId id="290" r:id="rId10"/>
     <p:sldId id="289" r:id="rId11"/>
-    <p:sldId id="286" r:id="rId12"/>
-    <p:sldId id="273" r:id="rId13"/>
-    <p:sldId id="260" r:id="rId14"/>
+    <p:sldId id="291" r:id="rId12"/>
+    <p:sldId id="292" r:id="rId13"/>
+    <p:sldId id="293" r:id="rId14"/>
+    <p:sldId id="286" r:id="rId15"/>
+    <p:sldId id="273" r:id="rId16"/>
+    <p:sldId id="260" r:id="rId17"/>
   </p:sldIdLst>
   <p:sldSz cx="12192000" cy="6858000"/>
   <p:notesSz cx="6858000" cy="9144000"/>
@@ -4705,6 +4708,1421 @@
         </p:nvGrpSpPr>
         <p:grpSpPr>
           <a:xfrm>
+            <a:off x="4324351" y="775892"/>
+            <a:ext cx="3556169" cy="457200"/>
+            <a:chOff x="3429000" y="526256"/>
+            <a:chExt cx="3293102" cy="457200"/>
+          </a:xfrm>
+        </p:grpSpPr>
+        <p:pic>
+          <p:nvPicPr>
+            <p:cNvPr id="6" name="Picture 44" descr="03_Braket_Single.png"/>
+            <p:cNvPicPr>
+              <a:picLocks noChangeAspect="1"/>
+            </p:cNvPicPr>
+            <p:nvPr/>
+          </p:nvPicPr>
+          <p:blipFill>
+            <a:blip r:embed="rId2" cstate="print"/>
+            <a:stretch>
+              <a:fillRect/>
+            </a:stretch>
+          </p:blipFill>
+          <p:spPr>
+            <a:xfrm>
+              <a:off x="3429000" y="526256"/>
+              <a:ext cx="60532" cy="457200"/>
+            </a:xfrm>
+            <a:prstGeom prst="rect">
+              <a:avLst/>
+            </a:prstGeom>
+          </p:spPr>
+        </p:pic>
+        <p:pic>
+          <p:nvPicPr>
+            <p:cNvPr id="7" name="Picture 45" descr="03_Braket_Single.png"/>
+            <p:cNvPicPr>
+              <a:picLocks noChangeAspect="1"/>
+            </p:cNvPicPr>
+            <p:nvPr/>
+          </p:nvPicPr>
+          <p:blipFill>
+            <a:blip r:embed="rId2" cstate="print"/>
+            <a:stretch>
+              <a:fillRect/>
+            </a:stretch>
+          </p:blipFill>
+          <p:spPr>
+            <a:xfrm rot="10800000">
+              <a:off x="6661570" y="526256"/>
+              <a:ext cx="60532" cy="457200"/>
+            </a:xfrm>
+            <a:prstGeom prst="rect">
+              <a:avLst/>
+            </a:prstGeom>
+          </p:spPr>
+        </p:pic>
+      </p:grpSp>
+      <p:sp>
+        <p:nvSpPr>
+          <p:cNvPr id="8" name="Title 1"/>
+          <p:cNvSpPr txBox="1">
+            <a:spLocks/>
+          </p:cNvSpPr>
+          <p:nvPr/>
+        </p:nvSpPr>
+        <p:spPr>
+          <a:xfrm>
+            <a:off x="2214561" y="624682"/>
+            <a:ext cx="7772400" cy="645319"/>
+          </a:xfrm>
+          <a:prstGeom prst="rect">
+            <a:avLst/>
+          </a:prstGeom>
+        </p:spPr>
+        <p:txBody>
+          <a:bodyPr vert="horz" lIns="91440" tIns="45720" rIns="91440" bIns="45720" rtlCol="0" anchor="ctr">
+            <a:normAutofit/>
+          </a:bodyPr>
+          <a:lstStyle>
+            <a:lvl1pPr algn="l" defTabSz="914400" rtl="0" eaLnBrk="1" latinLnBrk="1" hangingPunct="1">
+              <a:lnSpc>
+                <a:spcPct val="90000"/>
+              </a:lnSpc>
+              <a:spcBef>
+                <a:spcPct val="0"/>
+              </a:spcBef>
+              <a:buNone/>
+              <a:defRPr sz="4400" kern="1200">
+                <a:solidFill>
+                  <a:schemeClr val="tx1"/>
+                </a:solidFill>
+                <a:latin typeface="+mj-lt"/>
+                <a:ea typeface="+mj-ea"/>
+                <a:cs typeface="+mj-cs"/>
+              </a:defRPr>
+            </a:lvl1pPr>
+          </a:lstStyle>
+          <a:p>
+            <a:pPr algn="ctr"/>
+            <a:r>
+              <a:rPr lang="en-US" altLang="ko-KR" sz="2200" b="1" dirty="0">
+                <a:solidFill>
+                  <a:srgbClr val="EE8E8E"/>
+                </a:solidFill>
+                <a:latin typeface="+mj-ea"/>
+              </a:rPr>
+              <a:t>4. </a:t>
+            </a:r>
+            <a:r>
+              <a:rPr lang="ko-KR" altLang="en-US" sz="2200" b="1" dirty="0">
+                <a:solidFill>
+                  <a:srgbClr val="EE8E8E"/>
+                </a:solidFill>
+                <a:latin typeface="+mj-ea"/>
+              </a:rPr>
+              <a:t>기술 소개</a:t>
+            </a:r>
+            <a:r>
+              <a:rPr lang="en-US" altLang="ko-KR" sz="1600" b="1" dirty="0">
+                <a:solidFill>
+                  <a:srgbClr val="EE8E8E"/>
+                </a:solidFill>
+                <a:latin typeface="+mj-ea"/>
+              </a:rPr>
+              <a:t>(</a:t>
+            </a:r>
+            <a:r>
+              <a:rPr lang="ko-KR" altLang="en-US" sz="1600" b="1" dirty="0">
+                <a:solidFill>
+                  <a:srgbClr val="EE8E8E"/>
+                </a:solidFill>
+                <a:latin typeface="+mj-ea"/>
+              </a:rPr>
+              <a:t>영상제공</a:t>
+            </a:r>
+            <a:r>
+              <a:rPr lang="en-US" altLang="ko-KR" sz="1600" b="1" dirty="0">
+                <a:solidFill>
+                  <a:srgbClr val="EE8E8E"/>
+                </a:solidFill>
+                <a:latin typeface="+mj-ea"/>
+              </a:rPr>
+              <a:t>)</a:t>
+            </a:r>
+            <a:endParaRPr lang="en-US" sz="2200" b="1" dirty="0">
+              <a:solidFill>
+                <a:srgbClr val="EE8E8E"/>
+              </a:solidFill>
+              <a:latin typeface="+mj-ea"/>
+            </a:endParaRPr>
+          </a:p>
+        </p:txBody>
+      </p:sp>
+      <p:cxnSp>
+        <p:nvCxnSpPr>
+          <p:cNvPr id="9" name="Straight Connector 41"/>
+          <p:cNvCxnSpPr/>
+          <p:nvPr/>
+        </p:nvCxnSpPr>
+        <p:spPr>
+          <a:xfrm>
+            <a:off x="942975" y="1466848"/>
+            <a:ext cx="10239375" cy="0"/>
+          </a:xfrm>
+          <a:prstGeom prst="line">
+            <a:avLst/>
+          </a:prstGeom>
+          <a:ln w="3175">
+            <a:solidFill>
+              <a:schemeClr val="bg1">
+                <a:lumMod val="65000"/>
+              </a:schemeClr>
+            </a:solidFill>
+          </a:ln>
+        </p:spPr>
+        <p:style>
+          <a:lnRef idx="1">
+            <a:schemeClr val="accent1"/>
+          </a:lnRef>
+          <a:fillRef idx="0">
+            <a:schemeClr val="accent1"/>
+          </a:fillRef>
+          <a:effectRef idx="0">
+            <a:schemeClr val="accent1"/>
+          </a:effectRef>
+          <a:fontRef idx="minor">
+            <a:schemeClr val="tx1"/>
+          </a:fontRef>
+        </p:style>
+      </p:cxnSp>
+      <p:sp>
+        <p:nvSpPr>
+          <p:cNvPr id="3" name="TextBox 2"/>
+          <p:cNvSpPr txBox="1"/>
+          <p:nvPr/>
+        </p:nvSpPr>
+        <p:spPr>
+          <a:xfrm>
+            <a:off x="788991" y="1893668"/>
+            <a:ext cx="5064203" cy="3477875"/>
+          </a:xfrm>
+          <a:prstGeom prst="rect">
+            <a:avLst/>
+          </a:prstGeom>
+          <a:noFill/>
+        </p:spPr>
+        <p:txBody>
+          <a:bodyPr wrap="square" rtlCol="0">
+            <a:spAutoFit/>
+          </a:bodyPr>
+          <a:lstStyle/>
+          <a:p>
+            <a:r>
+              <a:rPr lang="en-US" altLang="ko-KR" sz="2000" b="1" dirty="0"/>
+              <a:t>1. Camera</a:t>
+            </a:r>
+            <a:r>
+              <a:rPr lang="ko-KR" altLang="en-US" sz="2000" b="1" dirty="0"/>
+              <a:t>의 영상 저장</a:t>
+            </a:r>
+            <a:endParaRPr lang="en-US" altLang="ko-KR" sz="2000" b="1" dirty="0"/>
+          </a:p>
+          <a:p>
+            <a:endParaRPr lang="en-US" altLang="ko-KR" sz="800" b="1" dirty="0"/>
+          </a:p>
+          <a:p>
+            <a:pPr marL="285750" indent="-285750">
+              <a:buFont typeface="Arial" panose="020B0604020202020204" pitchFamily="34" charset="0"/>
+              <a:buChar char="•"/>
+            </a:pPr>
+            <a:r>
+              <a:rPr lang="ko-KR" altLang="en-US" sz="1600" dirty="0"/>
+              <a:t>관리자가 </a:t>
+            </a:r>
+            <a:r>
+              <a:rPr lang="en-US" altLang="ko-KR" sz="1600" dirty="0"/>
+              <a:t>camera</a:t>
+            </a:r>
+            <a:r>
+              <a:rPr lang="ko-KR" altLang="en-US" sz="1600" dirty="0"/>
+              <a:t>가 촬영한 영상을 나중에도 확인할 수 있도록 관리자</a:t>
+            </a:r>
+            <a:r>
+              <a:rPr lang="en-US" altLang="ko-KR" sz="1600" dirty="0"/>
+              <a:t>PC</a:t>
+            </a:r>
+            <a:r>
+              <a:rPr lang="ko-KR" altLang="en-US" sz="1600" dirty="0"/>
+              <a:t>의 로컬디스크에 영상을 저장한다</a:t>
+            </a:r>
+            <a:r>
+              <a:rPr lang="en-US" altLang="ko-KR" sz="1600" dirty="0"/>
+              <a:t>.</a:t>
+            </a:r>
+          </a:p>
+          <a:p>
+            <a:pPr marL="285750" indent="-285750">
+              <a:buFont typeface="Arial" panose="020B0604020202020204" pitchFamily="34" charset="0"/>
+              <a:buChar char="•"/>
+            </a:pPr>
+            <a:endParaRPr lang="en-US" altLang="ko-KR" sz="800" dirty="0"/>
+          </a:p>
+          <a:p>
+            <a:pPr marL="285750" indent="-285750">
+              <a:buFont typeface="Arial" panose="020B0604020202020204" pitchFamily="34" charset="0"/>
+              <a:buChar char="•"/>
+            </a:pPr>
+            <a:r>
+              <a:rPr lang="ko-KR" altLang="en-US" sz="1600" dirty="0"/>
+              <a:t>동영상은 관리자가 설정한 시간동안 저장이 실행되며 설정 시간이 지나면 저장이 완료되며 새로운 동영상이 저장된다</a:t>
+            </a:r>
+            <a:r>
+              <a:rPr lang="en-US" altLang="ko-KR" sz="1600" dirty="0"/>
+              <a:t>.(</a:t>
+            </a:r>
+            <a:r>
+              <a:rPr lang="ko-KR" altLang="en-US" sz="1600" dirty="0"/>
+              <a:t>파일의 이름은 동영상이 저장되기 시작한 시간</a:t>
+            </a:r>
+            <a:r>
+              <a:rPr lang="en-US" altLang="ko-KR" sz="1600" dirty="0"/>
+              <a:t>)</a:t>
+            </a:r>
+          </a:p>
+          <a:p>
+            <a:pPr marL="285750" indent="-285750">
+              <a:buFont typeface="Arial" panose="020B0604020202020204" pitchFamily="34" charset="0"/>
+              <a:buChar char="•"/>
+            </a:pPr>
+            <a:endParaRPr lang="en-US" altLang="ko-KR" sz="800" dirty="0"/>
+          </a:p>
+          <a:p>
+            <a:pPr marL="285750" indent="-285750">
+              <a:buFont typeface="Arial" panose="020B0604020202020204" pitchFamily="34" charset="0"/>
+              <a:buChar char="•"/>
+            </a:pPr>
+            <a:r>
+              <a:rPr lang="ko-KR" altLang="en-US" sz="1600" dirty="0"/>
+              <a:t>동영상의 저장용량을 조절하기 위하여 초당 동영상에 저장하는 </a:t>
+            </a:r>
+            <a:r>
+              <a:rPr lang="en-US" altLang="ko-KR" sz="1600" dirty="0"/>
+              <a:t>frame</a:t>
+            </a:r>
+            <a:r>
+              <a:rPr lang="ko-KR" altLang="en-US" sz="1600" dirty="0"/>
+              <a:t>수를 조절할 수 있다</a:t>
+            </a:r>
+            <a:r>
+              <a:rPr lang="en-US" altLang="ko-KR" sz="1600" dirty="0"/>
+              <a:t>. frame</a:t>
+            </a:r>
+            <a:r>
+              <a:rPr lang="ko-KR" altLang="en-US" sz="1600" dirty="0"/>
+              <a:t>수가 낮아질수록 용량이 작아진다</a:t>
+            </a:r>
+            <a:r>
+              <a:rPr lang="en-US" altLang="ko-KR" sz="1600" dirty="0"/>
+              <a:t>.</a:t>
+            </a:r>
+          </a:p>
+          <a:p>
+            <a:endParaRPr lang="en-US" altLang="ko-KR" sz="1600" dirty="0"/>
+          </a:p>
+        </p:txBody>
+      </p:sp>
+      <p:sp>
+        <p:nvSpPr>
+          <p:cNvPr id="31" name="오른쪽 화살표 39">
+            <a:extLst>
+              <a:ext uri="{FF2B5EF4-FFF2-40B4-BE49-F238E27FC236}">
+                <a16:creationId xmlns:a16="http://schemas.microsoft.com/office/drawing/2014/main" id="{CB7634A6-E679-4909-B4FE-AE8B4E7A73E0}"/>
+              </a:ext>
+            </a:extLst>
+          </p:cNvPr>
+          <p:cNvSpPr/>
+          <p:nvPr/>
+        </p:nvSpPr>
+        <p:spPr>
+          <a:xfrm rot="5400000">
+            <a:off x="8005761" y="3111015"/>
+            <a:ext cx="600524" cy="433808"/>
+          </a:xfrm>
+          <a:prstGeom prst="rightArrow">
+            <a:avLst/>
+          </a:prstGeom>
+        </p:spPr>
+        <p:style>
+          <a:lnRef idx="0">
+            <a:schemeClr val="accent2"/>
+          </a:lnRef>
+          <a:fillRef idx="3">
+            <a:schemeClr val="accent2"/>
+          </a:fillRef>
+          <a:effectRef idx="3">
+            <a:schemeClr val="accent2"/>
+          </a:effectRef>
+          <a:fontRef idx="minor">
+            <a:schemeClr val="lt1"/>
+          </a:fontRef>
+        </p:style>
+        <p:txBody>
+          <a:bodyPr rtlCol="0" anchor="ctr"/>
+          <a:lstStyle/>
+          <a:p>
+            <a:pPr algn="ctr"/>
+            <a:endParaRPr lang="ko-KR" altLang="en-US" b="1">
+              <a:ln w="18000">
+                <a:solidFill>
+                  <a:schemeClr val="accent2">
+                    <a:satMod val="140000"/>
+                  </a:schemeClr>
+                </a:solidFill>
+                <a:prstDash val="solid"/>
+                <a:miter lim="800000"/>
+              </a:ln>
+              <a:noFill/>
+              <a:effectLst>
+                <a:outerShdw blurRad="25500" dist="23000" dir="7020000" algn="tl">
+                  <a:srgbClr val="000000">
+                    <a:alpha val="50000"/>
+                  </a:srgbClr>
+                </a:outerShdw>
+              </a:effectLst>
+            </a:endParaRPr>
+          </a:p>
+        </p:txBody>
+      </p:sp>
+      <p:pic>
+        <p:nvPicPr>
+          <p:cNvPr id="12" name="그림 11"/>
+          <p:cNvPicPr>
+            <a:picLocks noChangeAspect="1"/>
+          </p:cNvPicPr>
+          <p:nvPr/>
+        </p:nvPicPr>
+        <p:blipFill>
+          <a:blip r:embed="rId3"/>
+          <a:stretch>
+            <a:fillRect/>
+          </a:stretch>
+        </p:blipFill>
+        <p:spPr>
+          <a:xfrm>
+            <a:off x="6234352" y="1893668"/>
+            <a:ext cx="3524250" cy="952500"/>
+          </a:xfrm>
+          <a:prstGeom prst="rect">
+            <a:avLst/>
+          </a:prstGeom>
+        </p:spPr>
+      </p:pic>
+      <p:pic>
+        <p:nvPicPr>
+          <p:cNvPr id="13" name="그림 12"/>
+          <p:cNvPicPr>
+            <a:picLocks noChangeAspect="1"/>
+          </p:cNvPicPr>
+          <p:nvPr/>
+        </p:nvPicPr>
+        <p:blipFill>
+          <a:blip r:embed="rId4"/>
+          <a:stretch>
+            <a:fillRect/>
+          </a:stretch>
+        </p:blipFill>
+        <p:spPr>
+          <a:xfrm>
+            <a:off x="6234352" y="3809670"/>
+            <a:ext cx="3905250" cy="1200150"/>
+          </a:xfrm>
+          <a:prstGeom prst="rect">
+            <a:avLst/>
+          </a:prstGeom>
+        </p:spPr>
+      </p:pic>
+      <p:sp>
+        <p:nvSpPr>
+          <p:cNvPr id="14" name="TextBox 13"/>
+          <p:cNvSpPr txBox="1"/>
+          <p:nvPr/>
+        </p:nvSpPr>
+        <p:spPr>
+          <a:xfrm>
+            <a:off x="6234351" y="5231027"/>
+            <a:ext cx="4870253" cy="261610"/>
+          </a:xfrm>
+          <a:prstGeom prst="rect">
+            <a:avLst/>
+          </a:prstGeom>
+          <a:noFill/>
+        </p:spPr>
+        <p:txBody>
+          <a:bodyPr wrap="square" rtlCol="0">
+            <a:spAutoFit/>
+          </a:bodyPr>
+          <a:lstStyle/>
+          <a:p>
+            <a:r>
+              <a:rPr lang="ko-KR" altLang="en-US" sz="1100" b="1"/>
+              <a:t>설정 시간이 </a:t>
+            </a:r>
+            <a:r>
+              <a:rPr lang="en-US" altLang="ko-KR" sz="1100" b="1"/>
+              <a:t>5</a:t>
+            </a:r>
+            <a:r>
+              <a:rPr lang="ko-KR" altLang="en-US" sz="1100" b="1"/>
+              <a:t>초일 경우 최초 저장 후 </a:t>
+            </a:r>
+            <a:r>
+              <a:rPr lang="en-US" altLang="ko-KR" sz="1100" b="1"/>
+              <a:t>5</a:t>
+            </a:r>
+            <a:r>
+              <a:rPr lang="ko-KR" altLang="en-US" sz="1100" b="1"/>
+              <a:t>초가 지나면 새로운 파일로 저장한다</a:t>
+            </a:r>
+            <a:r>
+              <a:rPr lang="en-US" altLang="ko-KR" sz="1100" b="1"/>
+              <a:t>.</a:t>
+            </a:r>
+            <a:endParaRPr lang="ko-KR" altLang="en-US" sz="1100" b="1"/>
+          </a:p>
+        </p:txBody>
+      </p:sp>
+    </p:spTree>
+    <p:extLst>
+      <p:ext uri="{BB962C8B-B14F-4D97-AF65-F5344CB8AC3E}">
+        <p14:creationId xmlns:p14="http://schemas.microsoft.com/office/powerpoint/2010/main" val="3560134740"/>
+      </p:ext>
+    </p:extLst>
+  </p:cSld>
+  <p:clrMapOvr>
+    <a:masterClrMapping/>
+  </p:clrMapOvr>
+</p:sld>
+</file>
+
+<file path=ppt/slides/slide12.xml><?xml version="1.0" encoding="utf-8"?>
+<p:sld xmlns:a="http://schemas.openxmlformats.org/drawingml/2006/main" xmlns:r="http://schemas.openxmlformats.org/officeDocument/2006/relationships" xmlns:p="http://schemas.openxmlformats.org/presentationml/2006/main">
+  <p:cSld>
+    <p:spTree>
+      <p:nvGrpSpPr>
+        <p:cNvPr id="1" name=""/>
+        <p:cNvGrpSpPr/>
+        <p:nvPr/>
+      </p:nvGrpSpPr>
+      <p:grpSpPr>
+        <a:xfrm>
+          <a:off x="0" y="0"/>
+          <a:ext cx="0" cy="0"/>
+          <a:chOff x="0" y="0"/>
+          <a:chExt cx="0" cy="0"/>
+        </a:xfrm>
+      </p:grpSpPr>
+      <p:grpSp>
+        <p:nvGrpSpPr>
+          <p:cNvPr id="5" name="Group 73"/>
+          <p:cNvGrpSpPr/>
+          <p:nvPr/>
+        </p:nvGrpSpPr>
+        <p:grpSpPr>
+          <a:xfrm>
+            <a:off x="4324351" y="775892"/>
+            <a:ext cx="3556169" cy="457200"/>
+            <a:chOff x="3429000" y="526256"/>
+            <a:chExt cx="3293102" cy="457200"/>
+          </a:xfrm>
+        </p:grpSpPr>
+        <p:pic>
+          <p:nvPicPr>
+            <p:cNvPr id="6" name="Picture 44" descr="03_Braket_Single.png"/>
+            <p:cNvPicPr>
+              <a:picLocks noChangeAspect="1"/>
+            </p:cNvPicPr>
+            <p:nvPr/>
+          </p:nvPicPr>
+          <p:blipFill>
+            <a:blip r:embed="rId2" cstate="print"/>
+            <a:stretch>
+              <a:fillRect/>
+            </a:stretch>
+          </p:blipFill>
+          <p:spPr>
+            <a:xfrm>
+              <a:off x="3429000" y="526256"/>
+              <a:ext cx="60532" cy="457200"/>
+            </a:xfrm>
+            <a:prstGeom prst="rect">
+              <a:avLst/>
+            </a:prstGeom>
+          </p:spPr>
+        </p:pic>
+        <p:pic>
+          <p:nvPicPr>
+            <p:cNvPr id="7" name="Picture 45" descr="03_Braket_Single.png"/>
+            <p:cNvPicPr>
+              <a:picLocks noChangeAspect="1"/>
+            </p:cNvPicPr>
+            <p:nvPr/>
+          </p:nvPicPr>
+          <p:blipFill>
+            <a:blip r:embed="rId2" cstate="print"/>
+            <a:stretch>
+              <a:fillRect/>
+            </a:stretch>
+          </p:blipFill>
+          <p:spPr>
+            <a:xfrm rot="10800000">
+              <a:off x="6661570" y="526256"/>
+              <a:ext cx="60532" cy="457200"/>
+            </a:xfrm>
+            <a:prstGeom prst="rect">
+              <a:avLst/>
+            </a:prstGeom>
+          </p:spPr>
+        </p:pic>
+      </p:grpSp>
+      <p:sp>
+        <p:nvSpPr>
+          <p:cNvPr id="8" name="Title 1"/>
+          <p:cNvSpPr txBox="1">
+            <a:spLocks/>
+          </p:cNvSpPr>
+          <p:nvPr/>
+        </p:nvSpPr>
+        <p:spPr>
+          <a:xfrm>
+            <a:off x="2214561" y="624682"/>
+            <a:ext cx="7772400" cy="645319"/>
+          </a:xfrm>
+          <a:prstGeom prst="rect">
+            <a:avLst/>
+          </a:prstGeom>
+        </p:spPr>
+        <p:txBody>
+          <a:bodyPr vert="horz" lIns="91440" tIns="45720" rIns="91440" bIns="45720" rtlCol="0" anchor="ctr">
+            <a:normAutofit/>
+          </a:bodyPr>
+          <a:lstStyle>
+            <a:lvl1pPr algn="l" defTabSz="914400" rtl="0" eaLnBrk="1" latinLnBrk="1" hangingPunct="1">
+              <a:lnSpc>
+                <a:spcPct val="90000"/>
+              </a:lnSpc>
+              <a:spcBef>
+                <a:spcPct val="0"/>
+              </a:spcBef>
+              <a:buNone/>
+              <a:defRPr sz="4400" kern="1200">
+                <a:solidFill>
+                  <a:schemeClr val="tx1"/>
+                </a:solidFill>
+                <a:latin typeface="+mj-lt"/>
+                <a:ea typeface="+mj-ea"/>
+                <a:cs typeface="+mj-cs"/>
+              </a:defRPr>
+            </a:lvl1pPr>
+          </a:lstStyle>
+          <a:p>
+            <a:pPr algn="ctr"/>
+            <a:r>
+              <a:rPr lang="en-US" altLang="ko-KR" sz="2200" b="1" dirty="0">
+                <a:solidFill>
+                  <a:srgbClr val="EE8E8E"/>
+                </a:solidFill>
+                <a:latin typeface="+mj-ea"/>
+              </a:rPr>
+              <a:t>4. </a:t>
+            </a:r>
+            <a:r>
+              <a:rPr lang="ko-KR" altLang="en-US" sz="2200" b="1" dirty="0">
+                <a:solidFill>
+                  <a:srgbClr val="EE8E8E"/>
+                </a:solidFill>
+                <a:latin typeface="+mj-ea"/>
+              </a:rPr>
+              <a:t>기술 소개</a:t>
+            </a:r>
+            <a:r>
+              <a:rPr lang="en-US" altLang="ko-KR" sz="1600" b="1" dirty="0">
+                <a:solidFill>
+                  <a:srgbClr val="EE8E8E"/>
+                </a:solidFill>
+                <a:latin typeface="+mj-ea"/>
+              </a:rPr>
+              <a:t>(</a:t>
+            </a:r>
+            <a:r>
+              <a:rPr lang="ko-KR" altLang="en-US" sz="1600" b="1" dirty="0">
+                <a:solidFill>
+                  <a:srgbClr val="EE8E8E"/>
+                </a:solidFill>
+                <a:latin typeface="+mj-ea"/>
+              </a:rPr>
+              <a:t>영상제공</a:t>
+            </a:r>
+            <a:r>
+              <a:rPr lang="en-US" altLang="ko-KR" sz="1600" b="1" dirty="0">
+                <a:solidFill>
+                  <a:srgbClr val="EE8E8E"/>
+                </a:solidFill>
+                <a:latin typeface="+mj-ea"/>
+              </a:rPr>
+              <a:t>)</a:t>
+            </a:r>
+            <a:endParaRPr lang="en-US" sz="2200" b="1" dirty="0">
+              <a:solidFill>
+                <a:srgbClr val="EE8E8E"/>
+              </a:solidFill>
+              <a:latin typeface="+mj-ea"/>
+            </a:endParaRPr>
+          </a:p>
+        </p:txBody>
+      </p:sp>
+      <p:cxnSp>
+        <p:nvCxnSpPr>
+          <p:cNvPr id="9" name="Straight Connector 41"/>
+          <p:cNvCxnSpPr/>
+          <p:nvPr/>
+        </p:nvCxnSpPr>
+        <p:spPr>
+          <a:xfrm>
+            <a:off x="942975" y="1466848"/>
+            <a:ext cx="10239375" cy="0"/>
+          </a:xfrm>
+          <a:prstGeom prst="line">
+            <a:avLst/>
+          </a:prstGeom>
+          <a:ln w="3175">
+            <a:solidFill>
+              <a:schemeClr val="bg1">
+                <a:lumMod val="65000"/>
+              </a:schemeClr>
+            </a:solidFill>
+          </a:ln>
+        </p:spPr>
+        <p:style>
+          <a:lnRef idx="1">
+            <a:schemeClr val="accent1"/>
+          </a:lnRef>
+          <a:fillRef idx="0">
+            <a:schemeClr val="accent1"/>
+          </a:fillRef>
+          <a:effectRef idx="0">
+            <a:schemeClr val="accent1"/>
+          </a:effectRef>
+          <a:fontRef idx="minor">
+            <a:schemeClr val="tx1"/>
+          </a:fontRef>
+        </p:style>
+      </p:cxnSp>
+      <p:sp>
+        <p:nvSpPr>
+          <p:cNvPr id="3" name="TextBox 2"/>
+          <p:cNvSpPr txBox="1"/>
+          <p:nvPr/>
+        </p:nvSpPr>
+        <p:spPr>
+          <a:xfrm>
+            <a:off x="788991" y="1893668"/>
+            <a:ext cx="5718901" cy="2985433"/>
+          </a:xfrm>
+          <a:prstGeom prst="rect">
+            <a:avLst/>
+          </a:prstGeom>
+          <a:noFill/>
+        </p:spPr>
+        <p:txBody>
+          <a:bodyPr wrap="square" rtlCol="0">
+            <a:spAutoFit/>
+          </a:bodyPr>
+          <a:lstStyle/>
+          <a:p>
+            <a:r>
+              <a:rPr lang="en-US" altLang="ko-KR" sz="2000" b="1" dirty="0"/>
+              <a:t>2. </a:t>
+            </a:r>
+            <a:r>
+              <a:rPr lang="ko-KR" altLang="en-US" sz="2000" b="1" dirty="0"/>
+              <a:t>영상 </a:t>
+            </a:r>
+            <a:r>
+              <a:rPr lang="en-US" altLang="ko-KR" sz="2000" b="1" dirty="0"/>
+              <a:t>Streaming</a:t>
+            </a:r>
+          </a:p>
+          <a:p>
+            <a:endParaRPr lang="en-US" altLang="ko-KR" sz="800" b="1" dirty="0"/>
+          </a:p>
+          <a:p>
+            <a:pPr marL="285750" indent="-285750">
+              <a:buFont typeface="Arial" panose="020B0604020202020204" pitchFamily="34" charset="0"/>
+              <a:buChar char="•"/>
+            </a:pPr>
+            <a:r>
+              <a:rPr lang="ko-KR" altLang="ko-KR" sz="1600" dirty="0"/>
+              <a:t>영상을 실시간으로</a:t>
+            </a:r>
+            <a:r>
+              <a:rPr lang="en-US" altLang="ko-KR" sz="1600" dirty="0"/>
+              <a:t> Streaming</a:t>
+            </a:r>
+            <a:r>
+              <a:rPr lang="ko-KR" altLang="ko-KR" sz="1600" dirty="0"/>
+              <a:t>하기 위해 </a:t>
+            </a:r>
+            <a:r>
+              <a:rPr lang="en-US" altLang="ko-KR" sz="1600" dirty="0"/>
+              <a:t>camera</a:t>
+            </a:r>
+            <a:r>
+              <a:rPr lang="ko-KR" altLang="ko-KR" sz="1600" dirty="0"/>
+              <a:t>의 </a:t>
+            </a:r>
+            <a:r>
+              <a:rPr lang="en-US" altLang="ko-KR" sz="1600" dirty="0"/>
+              <a:t>frame</a:t>
+            </a:r>
+            <a:r>
+              <a:rPr lang="ko-KR" altLang="ko-KR" sz="1600" dirty="0"/>
+              <a:t>을 </a:t>
+            </a:r>
+            <a:r>
+              <a:rPr lang="en-US" altLang="ko-KR" sz="1600" dirty="0" err="1"/>
+              <a:t>LocalDisk</a:t>
+            </a:r>
+            <a:r>
+              <a:rPr lang="ko-KR" altLang="ko-KR" sz="1600" dirty="0"/>
+              <a:t>에 지속적으로 저장한다</a:t>
+            </a:r>
+            <a:r>
+              <a:rPr lang="en-US" altLang="ko-KR" sz="1600" dirty="0"/>
+              <a:t>. </a:t>
+            </a:r>
+            <a:r>
+              <a:rPr lang="ko-KR" altLang="ko-KR" sz="1600" dirty="0"/>
+              <a:t>저장 시 </a:t>
+            </a:r>
+            <a:r>
+              <a:rPr lang="en-US" altLang="ko-KR" sz="1600" dirty="0"/>
+              <a:t>frame</a:t>
+            </a:r>
+            <a:r>
+              <a:rPr lang="ko-KR" altLang="ko-KR" sz="1600" dirty="0"/>
+              <a:t>을 순서대로 저장하며 전부 저장되고 나면 제일 이전에 저장된 </a:t>
+            </a:r>
+            <a:r>
+              <a:rPr lang="en-US" altLang="ko-KR" sz="1600" dirty="0"/>
+              <a:t>frame</a:t>
+            </a:r>
+            <a:r>
+              <a:rPr lang="ko-KR" altLang="ko-KR" sz="1600" dirty="0"/>
+              <a:t>부터 덮어쓰며 저장한다</a:t>
+            </a:r>
+            <a:r>
+              <a:rPr lang="en-US" altLang="ko-KR" sz="1600" dirty="0"/>
+              <a:t>.</a:t>
+            </a:r>
+          </a:p>
+          <a:p>
+            <a:pPr marL="285750" indent="-285750">
+              <a:buFont typeface="Arial" panose="020B0604020202020204" pitchFamily="34" charset="0"/>
+              <a:buChar char="•"/>
+            </a:pPr>
+            <a:endParaRPr lang="en-US" altLang="ko-KR" sz="800" dirty="0"/>
+          </a:p>
+          <a:p>
+            <a:pPr marL="285750" indent="-285750">
+              <a:buFont typeface="Arial" panose="020B0604020202020204" pitchFamily="34" charset="0"/>
+              <a:buChar char="•"/>
+            </a:pPr>
+            <a:r>
+              <a:rPr lang="ko-KR" altLang="ko-KR" sz="1600" dirty="0"/>
+              <a:t>서버에서는 </a:t>
+            </a:r>
+            <a:r>
+              <a:rPr lang="en-US" altLang="ko-KR" sz="1600" dirty="0" err="1"/>
+              <a:t>LocalDisk</a:t>
+            </a:r>
+            <a:r>
+              <a:rPr lang="ko-KR" altLang="ko-KR" sz="1600" dirty="0"/>
+              <a:t>에 </a:t>
+            </a:r>
+            <a:r>
+              <a:rPr lang="ko-KR" altLang="ko-KR" sz="1600" dirty="0" err="1"/>
+              <a:t>저장되어있는</a:t>
+            </a:r>
+            <a:r>
+              <a:rPr lang="ko-KR" altLang="ko-KR" sz="1600" dirty="0"/>
+              <a:t> </a:t>
+            </a:r>
+            <a:r>
+              <a:rPr lang="en-US" altLang="ko-KR" sz="1600" dirty="0"/>
+              <a:t>frame</a:t>
+            </a:r>
+            <a:r>
+              <a:rPr lang="ko-KR" altLang="ko-KR" sz="1600" dirty="0"/>
+              <a:t>을 지속적으로 읽어와 </a:t>
+            </a:r>
+            <a:r>
+              <a:rPr lang="en-US" altLang="ko-KR" sz="1600" dirty="0"/>
+              <a:t>Browser</a:t>
+            </a:r>
+            <a:r>
+              <a:rPr lang="ko-KR" altLang="ko-KR" sz="1600" dirty="0"/>
+              <a:t>에 </a:t>
+            </a:r>
+            <a:r>
+              <a:rPr lang="ko-KR" altLang="en-US" sz="1600" dirty="0"/>
+              <a:t>보여준다</a:t>
+            </a:r>
+            <a:r>
+              <a:rPr lang="en-US" altLang="ko-KR" sz="1600" dirty="0"/>
+              <a:t>.</a:t>
+            </a:r>
+          </a:p>
+          <a:p>
+            <a:endParaRPr lang="en-US" altLang="ko-KR" sz="800" dirty="0"/>
+          </a:p>
+          <a:p>
+            <a:pPr marL="285750" indent="-285750">
+              <a:buFont typeface="Arial" panose="020B0604020202020204" pitchFamily="34" charset="0"/>
+              <a:buChar char="•"/>
+            </a:pPr>
+            <a:r>
+              <a:rPr lang="en-US" altLang="ko-KR" sz="1600" dirty="0"/>
+              <a:t>frame</a:t>
+            </a:r>
+            <a:r>
+              <a:rPr lang="ko-KR" altLang="ko-KR" sz="1600" dirty="0"/>
+              <a:t>저장</a:t>
+            </a:r>
+            <a:r>
+              <a:rPr lang="ko-KR" altLang="en-US" sz="1600" dirty="0"/>
+              <a:t>시의</a:t>
+            </a:r>
+            <a:r>
+              <a:rPr lang="ko-KR" altLang="ko-KR" sz="1600" dirty="0"/>
+              <a:t> 압축률과 서버에서 </a:t>
+            </a:r>
+            <a:r>
+              <a:rPr lang="en-US" altLang="ko-KR" sz="1600" dirty="0"/>
+              <a:t>frame</a:t>
+            </a:r>
+            <a:r>
+              <a:rPr lang="ko-KR" altLang="ko-KR" sz="1600" dirty="0"/>
+              <a:t>을 읽어오는 속도를 조절하여 실제로 </a:t>
+            </a:r>
+            <a:r>
+              <a:rPr lang="en-US" altLang="ko-KR" sz="1600" dirty="0"/>
+              <a:t>streaming</a:t>
+            </a:r>
+            <a:r>
+              <a:rPr lang="ko-KR" altLang="ko-KR" sz="1600" dirty="0"/>
+              <a:t>되는 영상을 볼 시에는 거의 끊김과 </a:t>
+            </a:r>
+            <a:r>
+              <a:rPr lang="en-US" altLang="ko-KR" sz="1600" dirty="0"/>
+              <a:t>delay</a:t>
+            </a:r>
+            <a:r>
+              <a:rPr lang="ko-KR" altLang="ko-KR" sz="1600" dirty="0"/>
+              <a:t>가 없는 영상을 확인할 수 있다</a:t>
+            </a:r>
+            <a:r>
+              <a:rPr lang="en-US" altLang="ko-KR" sz="1600" dirty="0"/>
+              <a:t>.</a:t>
+            </a:r>
+          </a:p>
+        </p:txBody>
+      </p:sp>
+      <p:pic>
+        <p:nvPicPr>
+          <p:cNvPr id="2" name="그림 1"/>
+          <p:cNvPicPr>
+            <a:picLocks noChangeAspect="1"/>
+          </p:cNvPicPr>
+          <p:nvPr/>
+        </p:nvPicPr>
+        <p:blipFill>
+          <a:blip r:embed="rId3"/>
+          <a:stretch>
+            <a:fillRect/>
+          </a:stretch>
+        </p:blipFill>
+        <p:spPr>
+          <a:xfrm>
+            <a:off x="6700836" y="2157281"/>
+            <a:ext cx="4481514" cy="2922727"/>
+          </a:xfrm>
+          <a:prstGeom prst="rect">
+            <a:avLst/>
+          </a:prstGeom>
+        </p:spPr>
+      </p:pic>
+    </p:spTree>
+    <p:extLst>
+      <p:ext uri="{BB962C8B-B14F-4D97-AF65-F5344CB8AC3E}">
+        <p14:creationId xmlns:p14="http://schemas.microsoft.com/office/powerpoint/2010/main" val="447743071"/>
+      </p:ext>
+    </p:extLst>
+  </p:cSld>
+  <p:clrMapOvr>
+    <a:masterClrMapping/>
+  </p:clrMapOvr>
+</p:sld>
+</file>
+
+<file path=ppt/slides/slide13.xml><?xml version="1.0" encoding="utf-8"?>
+<p:sld xmlns:a="http://schemas.openxmlformats.org/drawingml/2006/main" xmlns:r="http://schemas.openxmlformats.org/officeDocument/2006/relationships" xmlns:p="http://schemas.openxmlformats.org/presentationml/2006/main">
+  <p:cSld>
+    <p:spTree>
+      <p:nvGrpSpPr>
+        <p:cNvPr id="1" name=""/>
+        <p:cNvGrpSpPr/>
+        <p:nvPr/>
+      </p:nvGrpSpPr>
+      <p:grpSpPr>
+        <a:xfrm>
+          <a:off x="0" y="0"/>
+          <a:ext cx="0" cy="0"/>
+          <a:chOff x="0" y="0"/>
+          <a:chExt cx="0" cy="0"/>
+        </a:xfrm>
+      </p:grpSpPr>
+      <p:grpSp>
+        <p:nvGrpSpPr>
+          <p:cNvPr id="5" name="Group 73"/>
+          <p:cNvGrpSpPr/>
+          <p:nvPr/>
+        </p:nvGrpSpPr>
+        <p:grpSpPr>
+          <a:xfrm>
+            <a:off x="4324351" y="775892"/>
+            <a:ext cx="3556169" cy="457200"/>
+            <a:chOff x="3429000" y="526256"/>
+            <a:chExt cx="3293102" cy="457200"/>
+          </a:xfrm>
+        </p:grpSpPr>
+        <p:pic>
+          <p:nvPicPr>
+            <p:cNvPr id="6" name="Picture 44" descr="03_Braket_Single.png"/>
+            <p:cNvPicPr>
+              <a:picLocks noChangeAspect="1"/>
+            </p:cNvPicPr>
+            <p:nvPr/>
+          </p:nvPicPr>
+          <p:blipFill>
+            <a:blip r:embed="rId2" cstate="print"/>
+            <a:stretch>
+              <a:fillRect/>
+            </a:stretch>
+          </p:blipFill>
+          <p:spPr>
+            <a:xfrm>
+              <a:off x="3429000" y="526256"/>
+              <a:ext cx="60532" cy="457200"/>
+            </a:xfrm>
+            <a:prstGeom prst="rect">
+              <a:avLst/>
+            </a:prstGeom>
+          </p:spPr>
+        </p:pic>
+        <p:pic>
+          <p:nvPicPr>
+            <p:cNvPr id="7" name="Picture 45" descr="03_Braket_Single.png"/>
+            <p:cNvPicPr>
+              <a:picLocks noChangeAspect="1"/>
+            </p:cNvPicPr>
+            <p:nvPr/>
+          </p:nvPicPr>
+          <p:blipFill>
+            <a:blip r:embed="rId2" cstate="print"/>
+            <a:stretch>
+              <a:fillRect/>
+            </a:stretch>
+          </p:blipFill>
+          <p:spPr>
+            <a:xfrm rot="10800000">
+              <a:off x="6661570" y="526256"/>
+              <a:ext cx="60532" cy="457200"/>
+            </a:xfrm>
+            <a:prstGeom prst="rect">
+              <a:avLst/>
+            </a:prstGeom>
+          </p:spPr>
+        </p:pic>
+      </p:grpSp>
+      <p:sp>
+        <p:nvSpPr>
+          <p:cNvPr id="8" name="Title 1"/>
+          <p:cNvSpPr txBox="1">
+            <a:spLocks/>
+          </p:cNvSpPr>
+          <p:nvPr/>
+        </p:nvSpPr>
+        <p:spPr>
+          <a:xfrm>
+            <a:off x="2214561" y="662782"/>
+            <a:ext cx="7772400" cy="645319"/>
+          </a:xfrm>
+          <a:prstGeom prst="rect">
+            <a:avLst/>
+          </a:prstGeom>
+        </p:spPr>
+        <p:txBody>
+          <a:bodyPr vert="horz" lIns="91440" tIns="45720" rIns="91440" bIns="45720" rtlCol="0" anchor="ctr">
+            <a:normAutofit/>
+          </a:bodyPr>
+          <a:lstStyle>
+            <a:lvl1pPr algn="l" defTabSz="914400" rtl="0" eaLnBrk="1" latinLnBrk="1" hangingPunct="1">
+              <a:lnSpc>
+                <a:spcPct val="90000"/>
+              </a:lnSpc>
+              <a:spcBef>
+                <a:spcPct val="0"/>
+              </a:spcBef>
+              <a:buNone/>
+              <a:defRPr sz="4400" kern="1200">
+                <a:solidFill>
+                  <a:schemeClr val="tx1"/>
+                </a:solidFill>
+                <a:latin typeface="+mj-lt"/>
+                <a:ea typeface="+mj-ea"/>
+                <a:cs typeface="+mj-cs"/>
+              </a:defRPr>
+            </a:lvl1pPr>
+          </a:lstStyle>
+          <a:p>
+            <a:pPr algn="ctr"/>
+            <a:r>
+              <a:rPr lang="en-US" altLang="ko-KR" sz="2200" b="1" dirty="0">
+                <a:solidFill>
+                  <a:srgbClr val="EE8E8E"/>
+                </a:solidFill>
+                <a:latin typeface="+mj-ea"/>
+              </a:rPr>
+              <a:t>4. </a:t>
+            </a:r>
+            <a:r>
+              <a:rPr lang="ko-KR" altLang="en-US" sz="2200" b="1" dirty="0">
+                <a:solidFill>
+                  <a:srgbClr val="EE8E8E"/>
+                </a:solidFill>
+                <a:latin typeface="+mj-ea"/>
+              </a:rPr>
+              <a:t>기술 소개</a:t>
+            </a:r>
+            <a:endParaRPr lang="en-US" sz="2200" b="1" dirty="0">
+              <a:solidFill>
+                <a:srgbClr val="EE8E8E"/>
+              </a:solidFill>
+              <a:latin typeface="+mj-ea"/>
+            </a:endParaRPr>
+          </a:p>
+        </p:txBody>
+      </p:sp>
+      <p:cxnSp>
+        <p:nvCxnSpPr>
+          <p:cNvPr id="9" name="Straight Connector 41"/>
+          <p:cNvCxnSpPr/>
+          <p:nvPr/>
+        </p:nvCxnSpPr>
+        <p:spPr>
+          <a:xfrm>
+            <a:off x="942975" y="1466848"/>
+            <a:ext cx="10239375" cy="0"/>
+          </a:xfrm>
+          <a:prstGeom prst="line">
+            <a:avLst/>
+          </a:prstGeom>
+          <a:ln w="3175">
+            <a:solidFill>
+              <a:schemeClr val="bg1">
+                <a:lumMod val="65000"/>
+              </a:schemeClr>
+            </a:solidFill>
+          </a:ln>
+        </p:spPr>
+        <p:style>
+          <a:lnRef idx="1">
+            <a:schemeClr val="accent1"/>
+          </a:lnRef>
+          <a:fillRef idx="0">
+            <a:schemeClr val="accent1"/>
+          </a:fillRef>
+          <a:effectRef idx="0">
+            <a:schemeClr val="accent1"/>
+          </a:effectRef>
+          <a:fontRef idx="minor">
+            <a:schemeClr val="tx1"/>
+          </a:fontRef>
+        </p:style>
+      </p:cxnSp>
+      <p:sp>
+        <p:nvSpPr>
+          <p:cNvPr id="3" name="TextBox 2"/>
+          <p:cNvSpPr txBox="1"/>
+          <p:nvPr/>
+        </p:nvSpPr>
+        <p:spPr>
+          <a:xfrm>
+            <a:off x="1679822" y="2239897"/>
+            <a:ext cx="5064203" cy="3477875"/>
+          </a:xfrm>
+          <a:prstGeom prst="rect">
+            <a:avLst/>
+          </a:prstGeom>
+          <a:noFill/>
+        </p:spPr>
+        <p:txBody>
+          <a:bodyPr wrap="square" rtlCol="0">
+            <a:spAutoFit/>
+          </a:bodyPr>
+          <a:lstStyle/>
+          <a:p>
+            <a:r>
+              <a:rPr lang="en-US" altLang="ko-KR" sz="2000" b="1" dirty="0" err="1"/>
+              <a:t>CoolSMS</a:t>
+            </a:r>
+            <a:r>
+              <a:rPr lang="ko-KR" altLang="en-US" sz="2000" b="1" dirty="0"/>
+              <a:t>를 통한 메시지 전송</a:t>
+            </a:r>
+            <a:endParaRPr lang="en-US" altLang="ko-KR" sz="2000" b="1" dirty="0"/>
+          </a:p>
+          <a:p>
+            <a:endParaRPr lang="en-US" altLang="ko-KR" sz="800" dirty="0"/>
+          </a:p>
+          <a:p>
+            <a:pPr marL="285750" indent="-285750">
+              <a:buFont typeface="Arial" panose="020B0604020202020204" pitchFamily="34" charset="0"/>
+              <a:buChar char="•"/>
+            </a:pPr>
+            <a:endParaRPr lang="en-US" altLang="ko-KR" sz="800" dirty="0"/>
+          </a:p>
+          <a:p>
+            <a:pPr marL="285750" indent="-285750">
+              <a:buFont typeface="Arial" panose="020B0604020202020204" pitchFamily="34" charset="0"/>
+              <a:buChar char="•"/>
+            </a:pPr>
+            <a:endParaRPr lang="en-US" altLang="ko-KR" sz="1600" dirty="0"/>
+          </a:p>
+          <a:p>
+            <a:pPr marL="285750" indent="-285750">
+              <a:buFont typeface="Arial" panose="020B0604020202020204" pitchFamily="34" charset="0"/>
+              <a:buChar char="•"/>
+            </a:pPr>
+            <a:r>
+              <a:rPr lang="en-US" altLang="ko-KR" sz="1600" dirty="0"/>
+              <a:t>Cool</a:t>
+            </a:r>
+            <a:r>
+              <a:rPr lang="ko-KR" altLang="en-US" sz="1600" dirty="0"/>
+              <a:t>는 </a:t>
+            </a:r>
+            <a:r>
+              <a:rPr lang="en-US" altLang="ko-KR" sz="1600" dirty="0"/>
+              <a:t>API</a:t>
+            </a:r>
+            <a:r>
+              <a:rPr lang="ko-KR" altLang="en-US" sz="1600" dirty="0"/>
+              <a:t>를 통하여 </a:t>
+            </a:r>
+            <a:r>
+              <a:rPr lang="en-US" altLang="ko-KR" sz="1600" dirty="0"/>
+              <a:t>SMS</a:t>
+            </a:r>
+            <a:r>
+              <a:rPr lang="ko-KR" altLang="en-US" sz="1600" dirty="0"/>
+              <a:t>를 전송한다</a:t>
+            </a:r>
+            <a:r>
+              <a:rPr lang="en-US" altLang="ko-KR" sz="1600" dirty="0"/>
+              <a:t>.</a:t>
+            </a:r>
+          </a:p>
+          <a:p>
+            <a:pPr marL="285750" indent="-285750">
+              <a:buFont typeface="Arial" panose="020B0604020202020204" pitchFamily="34" charset="0"/>
+              <a:buChar char="•"/>
+            </a:pPr>
+            <a:endParaRPr lang="en-US" altLang="ko-KR" sz="800" dirty="0"/>
+          </a:p>
+          <a:p>
+            <a:pPr marL="285750" indent="-285750">
+              <a:buFont typeface="Arial" panose="020B0604020202020204" pitchFamily="34" charset="0"/>
+              <a:buChar char="•"/>
+            </a:pPr>
+            <a:r>
+              <a:rPr lang="ko-KR" altLang="en-US" sz="1600" dirty="0"/>
+              <a:t>이상상황이 발생할 경우 </a:t>
+            </a:r>
+            <a:r>
+              <a:rPr lang="en-US" altLang="ko-KR" sz="1600" dirty="0"/>
+              <a:t>DB</a:t>
+            </a:r>
+            <a:r>
+              <a:rPr lang="ko-KR" altLang="en-US" sz="1600" dirty="0"/>
+              <a:t>로 부터 이상상황</a:t>
+            </a:r>
+            <a:r>
+              <a:rPr lang="en-US" altLang="ko-KR" sz="1600" dirty="0"/>
+              <a:t>, </a:t>
+            </a:r>
+            <a:r>
+              <a:rPr lang="ko-KR" altLang="en-US" sz="1600" dirty="0"/>
+              <a:t>카메라 번호</a:t>
+            </a:r>
+            <a:r>
+              <a:rPr lang="en-US" altLang="ko-KR" sz="1600" dirty="0"/>
+              <a:t>, </a:t>
+            </a:r>
+            <a:r>
+              <a:rPr lang="ko-KR" altLang="en-US" sz="1600" dirty="0"/>
+              <a:t>장소등의 데이터를 통하여 </a:t>
+            </a:r>
+            <a:r>
+              <a:rPr lang="en-US" altLang="ko-KR" sz="1600" dirty="0"/>
+              <a:t>SMS</a:t>
+            </a:r>
+            <a:r>
+              <a:rPr lang="ko-KR" altLang="en-US" sz="1600" dirty="0"/>
+              <a:t>를 전송한다</a:t>
+            </a:r>
+            <a:r>
+              <a:rPr lang="en-US" altLang="ko-KR" sz="1600" dirty="0"/>
+              <a:t>.</a:t>
+            </a:r>
+            <a:endParaRPr lang="en-US" altLang="ko-KR" sz="800" dirty="0"/>
+          </a:p>
+          <a:p>
+            <a:pPr marL="285750" indent="-285750">
+              <a:buFont typeface="Arial" panose="020B0604020202020204" pitchFamily="34" charset="0"/>
+              <a:buChar char="•"/>
+            </a:pPr>
+            <a:endParaRPr lang="en-US" altLang="ko-KR" sz="800" dirty="0"/>
+          </a:p>
+          <a:p>
+            <a:pPr marL="285750" indent="-285750">
+              <a:buFont typeface="Arial" panose="020B0604020202020204" pitchFamily="34" charset="0"/>
+              <a:buChar char="•"/>
+            </a:pPr>
+            <a:r>
+              <a:rPr lang="ko-KR" altLang="en-US" sz="1600" dirty="0"/>
+              <a:t>모든 관리자가 아닌 현재 로그인 되어 있는 관리자에게만 </a:t>
+            </a:r>
+            <a:r>
+              <a:rPr lang="en-US" altLang="ko-KR" sz="1600" dirty="0"/>
+              <a:t>SMS</a:t>
+            </a:r>
+            <a:r>
+              <a:rPr lang="ko-KR" altLang="en-US" sz="1600" dirty="0"/>
+              <a:t>를 </a:t>
+            </a:r>
+            <a:r>
+              <a:rPr lang="ko-KR" altLang="en-US" sz="1600" dirty="0" err="1"/>
+              <a:t>전송받기</a:t>
+            </a:r>
+            <a:r>
+              <a:rPr lang="ko-KR" altLang="en-US" sz="1600" dirty="0"/>
+              <a:t> 위하여 또한 </a:t>
+            </a:r>
+            <a:r>
+              <a:rPr lang="en-US" altLang="ko-KR" sz="1600" dirty="0"/>
+              <a:t>DB</a:t>
+            </a:r>
+            <a:r>
+              <a:rPr lang="ko-KR" altLang="en-US" sz="1600" dirty="0"/>
+              <a:t>에서 관리자의 핸드폰 번호를 받아온다</a:t>
+            </a:r>
+            <a:r>
+              <a:rPr lang="en-US" altLang="ko-KR" sz="1600" dirty="0"/>
+              <a:t>.</a:t>
+            </a:r>
+          </a:p>
+          <a:p>
+            <a:pPr marL="285750" indent="-285750">
+              <a:buFont typeface="Arial" panose="020B0604020202020204" pitchFamily="34" charset="0"/>
+              <a:buChar char="•"/>
+            </a:pPr>
+            <a:endParaRPr lang="en-US" altLang="ko-KR" sz="1600" dirty="0"/>
+          </a:p>
+          <a:p>
+            <a:endParaRPr lang="en-US" altLang="ko-KR" sz="1600" dirty="0"/>
+          </a:p>
+        </p:txBody>
+      </p:sp>
+      <p:pic>
+        <p:nvPicPr>
+          <p:cNvPr id="12" name="그림 11">
+            <a:extLst>
+              <a:ext uri="{FF2B5EF4-FFF2-40B4-BE49-F238E27FC236}">
+                <a16:creationId xmlns:a16="http://schemas.microsoft.com/office/drawing/2014/main" id="{ECCCE964-6372-4781-9FE4-829F6EEED6B5}"/>
+              </a:ext>
+            </a:extLst>
+          </p:cNvPr>
+          <p:cNvPicPr>
+            <a:picLocks noChangeAspect="1"/>
+          </p:cNvPicPr>
+          <p:nvPr/>
+        </p:nvPicPr>
+        <p:blipFill>
+          <a:blip r:embed="rId3"/>
+          <a:stretch>
+            <a:fillRect/>
+          </a:stretch>
+        </p:blipFill>
+        <p:spPr>
+          <a:xfrm>
+            <a:off x="7322501" y="1879537"/>
+            <a:ext cx="3189677" cy="3713948"/>
+          </a:xfrm>
+          <a:prstGeom prst="rect">
+            <a:avLst/>
+          </a:prstGeom>
+        </p:spPr>
+      </p:pic>
+    </p:spTree>
+    <p:extLst>
+      <p:ext uri="{BB962C8B-B14F-4D97-AF65-F5344CB8AC3E}">
+        <p14:creationId xmlns:p14="http://schemas.microsoft.com/office/powerpoint/2010/main" val="4240732143"/>
+      </p:ext>
+    </p:extLst>
+  </p:cSld>
+  <p:clrMapOvr>
+    <a:masterClrMapping/>
+  </p:clrMapOvr>
+</p:sld>
+</file>
+
+<file path=ppt/slides/slide14.xml><?xml version="1.0" encoding="utf-8"?>
+<p:sld xmlns:a="http://schemas.openxmlformats.org/drawingml/2006/main" xmlns:r="http://schemas.openxmlformats.org/officeDocument/2006/relationships" xmlns:p="http://schemas.openxmlformats.org/presentationml/2006/main">
+  <p:cSld>
+    <p:spTree>
+      <p:nvGrpSpPr>
+        <p:cNvPr id="1" name=""/>
+        <p:cNvGrpSpPr/>
+        <p:nvPr/>
+      </p:nvGrpSpPr>
+      <p:grpSpPr>
+        <a:xfrm>
+          <a:off x="0" y="0"/>
+          <a:ext cx="0" cy="0"/>
+          <a:chOff x="0" y="0"/>
+          <a:chExt cx="0" cy="0"/>
+        </a:xfrm>
+      </p:grpSpPr>
+      <p:grpSp>
+        <p:nvGrpSpPr>
+          <p:cNvPr id="5" name="Group 73"/>
+          <p:cNvGrpSpPr/>
+          <p:nvPr/>
+        </p:nvGrpSpPr>
+        <p:grpSpPr>
+          <a:xfrm>
             <a:off x="4959565" y="2997503"/>
             <a:ext cx="2260391" cy="585683"/>
             <a:chOff x="3488250" y="526256"/>
@@ -4887,7 +6305,7 @@
 </p:sld>
 </file>
 
-<file path=ppt/slides/slide12.xml><?xml version="1.0" encoding="utf-8"?>
+<file path=ppt/slides/slide15.xml><?xml version="1.0" encoding="utf-8"?>
 <p:sld xmlns:a="http://schemas.openxmlformats.org/drawingml/2006/main" xmlns:r="http://schemas.openxmlformats.org/officeDocument/2006/relationships" xmlns:p="http://schemas.openxmlformats.org/presentationml/2006/main">
   <p:cSld>
     <p:spTree>
@@ -5084,8 +6502,8 @@
         </p:nvSpPr>
         <p:spPr>
           <a:xfrm>
-            <a:off x="942975" y="1977657"/>
-            <a:ext cx="4914130" cy="2800767"/>
+            <a:off x="942975" y="1959901"/>
+            <a:ext cx="4914130" cy="3616375"/>
           </a:xfrm>
           <a:prstGeom prst="rect">
             <a:avLst/>
@@ -5109,7 +6527,17 @@
               </a:rPr>
               <a:t>성장하는 시장 규모</a:t>
             </a:r>
-            <a:endParaRPr lang="ko-KR" altLang="en-US" sz="800" dirty="0">
+            <a:endParaRPr lang="en-US" altLang="ko-KR" sz="1600" b="1" dirty="0">
+              <a:latin typeface="맑은 고딕" panose="020B0503020000020004" pitchFamily="50" charset="-127"/>
+              <a:ea typeface="맑은 고딕" panose="020B0503020000020004" pitchFamily="50" charset="-127"/>
+            </a:endParaRPr>
+          </a:p>
+          <a:p>
+            <a:pPr marL="285750" indent="-285750" fontAlgn="base">
+              <a:buFont typeface="Arial" panose="020B0604020202020204" pitchFamily="34" charset="0"/>
+              <a:buChar char="•"/>
+            </a:pPr>
+            <a:endParaRPr lang="ko-KR" altLang="en-US" sz="500" dirty="0">
               <a:latin typeface="맑은 고딕" panose="020B0503020000020004" pitchFamily="50" charset="-127"/>
               <a:ea typeface="맑은 고딕" panose="020B0503020000020004" pitchFamily="50" charset="-127"/>
             </a:endParaRPr>
@@ -5316,7 +6744,20 @@
             </a:endParaRPr>
           </a:p>
           <a:p>
-            <a:pPr fontAlgn="base"/>
+            <a:pPr marL="285750" indent="-285750" fontAlgn="base">
+              <a:buFont typeface="Arial" panose="020B0604020202020204" pitchFamily="34" charset="0"/>
+              <a:buChar char="•"/>
+            </a:pPr>
+            <a:endParaRPr lang="en-US" altLang="ko-KR" sz="800" b="1" dirty="0">
+              <a:latin typeface="맑은 고딕" panose="020B0503020000020004" pitchFamily="50" charset="-127"/>
+              <a:ea typeface="맑은 고딕" panose="020B0503020000020004" pitchFamily="50" charset="-127"/>
+            </a:endParaRPr>
+          </a:p>
+          <a:p>
+            <a:pPr marL="285750" indent="-285750" fontAlgn="base">
+              <a:buFontTx/>
+              <a:buChar char="-"/>
+            </a:pPr>
             <a:r>
               <a:rPr lang="ko-KR" altLang="en-US" sz="1600" dirty="0">
                 <a:latin typeface="맑은 고딕" panose="020B0503020000020004" pitchFamily="50" charset="-127"/>
@@ -5359,6 +6800,16 @@
               </a:rPr>
               <a:t>.</a:t>
             </a:r>
+          </a:p>
+          <a:p>
+            <a:pPr marL="285750" indent="-285750" fontAlgn="base">
+              <a:buFontTx/>
+              <a:buChar char="-"/>
+            </a:pPr>
+            <a:endParaRPr lang="en-US" altLang="ko-KR" sz="1600" dirty="0">
+              <a:latin typeface="맑은 고딕" panose="020B0503020000020004" pitchFamily="50" charset="-127"/>
+              <a:ea typeface="맑은 고딕" panose="020B0503020000020004" pitchFamily="50" charset="-127"/>
+            </a:endParaRPr>
           </a:p>
           <a:p>
             <a:pPr fontAlgn="base"/>
@@ -5467,7 +6918,7 @@
 </p:sld>
 </file>
 
-<file path=ppt/slides/slide13.xml><?xml version="1.0" encoding="utf-8"?>
+<file path=ppt/slides/slide16.xml><?xml version="1.0" encoding="utf-8"?>
 <p:sld xmlns:a="http://schemas.openxmlformats.org/drawingml/2006/main" xmlns:r="http://schemas.openxmlformats.org/officeDocument/2006/relationships" xmlns:p="http://schemas.openxmlformats.org/presentationml/2006/main">
   <p:cSld>
     <p:spTree>
